--- a/backend/templates/current_employee_pl.pptx
+++ b/backend/templates/current_employee_pl.pptx
@@ -251,7 +251,7 @@
           <a:p>
             <a:fld id="{58FB63AF-01B3-49F3-A0A3-B5D12ECE087D}" type="datetimeFigureOut">
               <a:rPr lang="pl-PL" smtClean="0"/>
-              <a:t>04.03.2024</a:t>
+              <a:t>05.03.2024</a:t>
             </a:fld>
             <a:endParaRPr lang="pl-PL"/>
           </a:p>
@@ -421,7 +421,7 @@
           <a:p>
             <a:fld id="{58FB63AF-01B3-49F3-A0A3-B5D12ECE087D}" type="datetimeFigureOut">
               <a:rPr lang="pl-PL" smtClean="0"/>
-              <a:t>04.03.2024</a:t>
+              <a:t>05.03.2024</a:t>
             </a:fld>
             <a:endParaRPr lang="pl-PL"/>
           </a:p>
@@ -601,7 +601,7 @@
           <a:p>
             <a:fld id="{58FB63AF-01B3-49F3-A0A3-B5D12ECE087D}" type="datetimeFigureOut">
               <a:rPr lang="pl-PL" smtClean="0"/>
-              <a:t>04.03.2024</a:t>
+              <a:t>05.03.2024</a:t>
             </a:fld>
             <a:endParaRPr lang="pl-PL"/>
           </a:p>
@@ -1406,7 +1406,7 @@
           <a:p>
             <a:fld id="{58FB63AF-01B3-49F3-A0A3-B5D12ECE087D}" type="datetimeFigureOut">
               <a:rPr lang="pl-PL" smtClean="0"/>
-              <a:t>04.03.2024</a:t>
+              <a:t>05.03.2024</a:t>
             </a:fld>
             <a:endParaRPr lang="pl-PL"/>
           </a:p>
@@ -1652,7 +1652,7 @@
           <a:p>
             <a:fld id="{58FB63AF-01B3-49F3-A0A3-B5D12ECE087D}" type="datetimeFigureOut">
               <a:rPr lang="pl-PL" smtClean="0"/>
-              <a:t>04.03.2024</a:t>
+              <a:t>05.03.2024</a:t>
             </a:fld>
             <a:endParaRPr lang="pl-PL"/>
           </a:p>
@@ -1884,7 +1884,7 @@
           <a:p>
             <a:fld id="{58FB63AF-01B3-49F3-A0A3-B5D12ECE087D}" type="datetimeFigureOut">
               <a:rPr lang="pl-PL" smtClean="0"/>
-              <a:t>04.03.2024</a:t>
+              <a:t>05.03.2024</a:t>
             </a:fld>
             <a:endParaRPr lang="pl-PL"/>
           </a:p>
@@ -2251,7 +2251,7 @@
           <a:p>
             <a:fld id="{58FB63AF-01B3-49F3-A0A3-B5D12ECE087D}" type="datetimeFigureOut">
               <a:rPr lang="pl-PL" smtClean="0"/>
-              <a:t>04.03.2024</a:t>
+              <a:t>05.03.2024</a:t>
             </a:fld>
             <a:endParaRPr lang="pl-PL"/>
           </a:p>
@@ -2369,7 +2369,7 @@
           <a:p>
             <a:fld id="{58FB63AF-01B3-49F3-A0A3-B5D12ECE087D}" type="datetimeFigureOut">
               <a:rPr lang="pl-PL" smtClean="0"/>
-              <a:t>04.03.2024</a:t>
+              <a:t>05.03.2024</a:t>
             </a:fld>
             <a:endParaRPr lang="pl-PL"/>
           </a:p>
@@ -2464,7 +2464,7 @@
           <a:p>
             <a:fld id="{58FB63AF-01B3-49F3-A0A3-B5D12ECE087D}" type="datetimeFigureOut">
               <a:rPr lang="pl-PL" smtClean="0"/>
-              <a:t>04.03.2024</a:t>
+              <a:t>05.03.2024</a:t>
             </a:fld>
             <a:endParaRPr lang="pl-PL"/>
           </a:p>
@@ -2741,7 +2741,7 @@
           <a:p>
             <a:fld id="{58FB63AF-01B3-49F3-A0A3-B5D12ECE087D}" type="datetimeFigureOut">
               <a:rPr lang="pl-PL" smtClean="0"/>
-              <a:t>04.03.2024</a:t>
+              <a:t>05.03.2024</a:t>
             </a:fld>
             <a:endParaRPr lang="pl-PL"/>
           </a:p>
@@ -2998,7 +2998,7 @@
           <a:p>
             <a:fld id="{58FB63AF-01B3-49F3-A0A3-B5D12ECE087D}" type="datetimeFigureOut">
               <a:rPr lang="pl-PL" smtClean="0"/>
-              <a:t>04.03.2024</a:t>
+              <a:t>05.03.2024</a:t>
             </a:fld>
             <a:endParaRPr lang="pl-PL"/>
           </a:p>
@@ -3211,7 +3211,7 @@
           <a:p>
             <a:fld id="{58FB63AF-01B3-49F3-A0A3-B5D12ECE087D}" type="datetimeFigureOut">
               <a:rPr lang="pl-PL" smtClean="0"/>
-              <a:t>04.03.2024</a:t>
+              <a:t>05.03.2024</a:t>
             </a:fld>
             <a:endParaRPr lang="pl-PL"/>
           </a:p>
@@ -3745,8 +3745,8 @@
         </p:nvSpPr>
         <p:spPr>
           <a:xfrm>
-            <a:off x="972569" y="1773746"/>
-            <a:ext cx="1368000" cy="1980000"/>
+            <a:off x="755597" y="1541274"/>
+            <a:ext cx="1839600" cy="2520000"/>
           </a:xfrm>
           <a:prstGeom prst="rect">
             <a:avLst/>
@@ -4333,18 +4333,18 @@
 </file>
 
 <file path=customXml/item2.xml><?xml version="1.0" encoding="utf-8"?>
-<p:properties xmlns:p="http://schemas.microsoft.com/office/2006/metadata/properties" xmlns:xsi="http://www.w3.org/2001/XMLSchema-instance" xmlns:pc="http://schemas.microsoft.com/office/infopath/2007/PartnerControls">
-  <documentManagement/>
-</p:properties>
-</file>
-
-<file path=customXml/item3.xml><?xml version="1.0" encoding="utf-8"?>
 <?mso-contentType ?>
 <FormTemplates xmlns="http://schemas.microsoft.com/sharepoint/v3/contenttype/forms">
   <Display>DocumentLibraryForm</Display>
   <Edit>DocumentLibraryForm</Edit>
   <New>DocumentLibraryForm</New>
 </FormTemplates>
+</file>
+
+<file path=customXml/item3.xml><?xml version="1.0" encoding="utf-8"?>
+<p:properties xmlns:p="http://schemas.microsoft.com/office/2006/metadata/properties" xmlns:xsi="http://www.w3.org/2001/XMLSchema-instance" xmlns:pc="http://schemas.microsoft.com/office/infopath/2007/PartnerControls">
+  <documentManagement/>
+</p:properties>
 </file>
 
 <file path=customXml/itemProps1.xml><?xml version="1.0" encoding="utf-8"?>
@@ -4366,6 +4366,14 @@
 </file>
 
 <file path=customXml/itemProps2.xml><?xml version="1.0" encoding="utf-8"?>
+<ds:datastoreItem xmlns:ds="http://schemas.openxmlformats.org/officeDocument/2006/customXml" ds:itemID="{EDF2B970-0028-4006-B8C6-0D5246C40660}">
+  <ds:schemaRefs>
+    <ds:schemaRef ds:uri="http://schemas.microsoft.com/sharepoint/v3/contenttype/forms"/>
+  </ds:schemaRefs>
+</ds:datastoreItem>
+</file>
+
+<file path=customXml/itemProps3.xml><?xml version="1.0" encoding="utf-8"?>
 <ds:datastoreItem xmlns:ds="http://schemas.openxmlformats.org/officeDocument/2006/customXml" ds:itemID="{9FAF190B-11C1-42D7-9702-AB050DF262DD}">
   <ds:schemaRefs>
     <ds:schemaRef ds:uri="7ee0ed61-752b-4f2e-896a-2d704be2690c"/>
@@ -4379,12 +4387,4 @@
     <ds:schemaRef ds:uri="http://purl.org/dc/dcmitype/"/>
   </ds:schemaRefs>
 </ds:datastoreItem>
-</file>
-
-<file path=customXml/itemProps3.xml><?xml version="1.0" encoding="utf-8"?>
-<ds:datastoreItem xmlns:ds="http://schemas.openxmlformats.org/officeDocument/2006/customXml" ds:itemID="{EDF2B970-0028-4006-B8C6-0D5246C40660}">
-  <ds:schemaRefs>
-    <ds:schemaRef ds:uri="http://schemas.microsoft.com/sharepoint/v3/contenttype/forms"/>
-  </ds:schemaRefs>
-</ds:datastoreItem>
 </file>